--- a/Презентация/presentation_3_milestone.pptx
+++ b/Презентация/presentation_3_milestone.pptx
@@ -16436,7 +16436,53 @@
       </p:sp>
       <p:sp>
         <p:nvSpPr>
-          <p:cNvPr name="TextBox 35" id="35"/>
+          <p:cNvPr name="Freeform 35" id="35"/>
+          <p:cNvSpPr/>
+          <p:nvPr/>
+        </p:nvSpPr>
+        <p:spPr>
+          <a:xfrm flipH="false" flipV="false" rot="0">
+            <a:off x="6766220" y="0"/>
+            <a:ext cx="4857743" cy="10280939"/>
+          </a:xfrm>
+          <a:custGeom>
+            <a:avLst/>
+            <a:gdLst/>
+            <a:ahLst/>
+            <a:cxnLst/>
+            <a:rect r="r" b="b" t="t" l="l"/>
+            <a:pathLst>
+              <a:path h="10280939" w="4857743">
+                <a:moveTo>
+                  <a:pt x="0" y="0"/>
+                </a:moveTo>
+                <a:lnTo>
+                  <a:pt x="4857744" y="0"/>
+                </a:lnTo>
+                <a:lnTo>
+                  <a:pt x="4857744" y="10280939"/>
+                </a:lnTo>
+                <a:lnTo>
+                  <a:pt x="0" y="10280939"/>
+                </a:lnTo>
+                <a:lnTo>
+                  <a:pt x="0" y="0"/>
+                </a:lnTo>
+                <a:close/>
+              </a:path>
+            </a:pathLst>
+          </a:custGeom>
+          <a:blipFill>
+            <a:blip r:embed="rId10"/>
+            <a:stretch>
+              <a:fillRect l="0" t="0" r="0" b="0"/>
+            </a:stretch>
+          </a:blipFill>
+        </p:spPr>
+      </p:sp>
+      <p:sp>
+        <p:nvSpPr>
+          <p:cNvPr name="TextBox 36" id="36"/>
           <p:cNvSpPr txBox="true"/>
           <p:nvPr/>
         </p:nvSpPr>
